--- a/mvc/slides/13_BestPractices.pptx
+++ b/mvc/slides/13_BestPractices.pptx
@@ -246,7 +246,7 @@
               <a:pPr>
                 <a:defRPr/>
               </a:pPr>
-              <a:t>4/18/2012</a:t>
+              <a:t>8/24/2012</a:t>
             </a:fld>
             <a:endParaRPr lang="en-US"/>
           </a:p>
@@ -4215,7 +4215,7 @@
         </p:nvSpPr>
         <p:spPr bwMode="auto">
           <a:xfrm>
-            <a:off x="1360968" y="2052083"/>
+            <a:off x="1360968" y="2166386"/>
             <a:ext cx="5922335" cy="4540103"/>
           </a:xfrm>
           <a:prstGeom prst="rect">
@@ -6057,12 +6057,8 @@
           <a:p>
             <a:pPr lvl="1"/>
             <a:r>
-              <a:rPr lang="en-US" dirty="0" smtClean="0"/>
-              <a:t>MVC </a:t>
-            </a:r>
-            <a:r>
               <a:rPr lang="en-US" dirty="0" err="1" smtClean="0"/>
-              <a:t>Contrib</a:t>
+              <a:t>NuGet</a:t>
             </a:r>
             <a:endParaRPr lang="en-US" dirty="0" smtClean="0"/>
           </a:p>
